--- a/presentation.pptx
+++ b/presentation.pptx
@@ -5868,14 +5868,16 @@
         </p:nvSpPr>
         <p:spPr/>
         <p:txBody>
-          <a:bodyPr/>
-          <a:lstStyle/>
-          <a:p>
-            <a:r>
-              <a:rPr lang="ru-RU" dirty="0" smtClean="0"/>
+          <a:bodyPr>
+            <a:normAutofit/>
+          </a:bodyPr>
+          <a:lstStyle/>
+          <a:p>
+            <a:r>
+              <a:rPr lang="ru-RU" sz="2800" dirty="0" smtClean="0"/>
               <a:t>Автор: Нюнин Н.А.</a:t>
             </a:r>
-            <a:endParaRPr lang="ru-RU" dirty="0"/>
+            <a:endParaRPr lang="ru-RU" sz="2800" dirty="0"/>
           </a:p>
         </p:txBody>
       </p:sp>
@@ -6058,8 +6060,16 @@
               <a:t>Проект написан при помощи фреймворка </a:t>
             </a:r>
             <a:r>
+              <a:rPr lang="en-US" sz="2000" i="1" dirty="0" smtClean="0">
+                <a:solidFill>
+                  <a:srgbClr val="C00000"/>
+                </a:solidFill>
+              </a:rPr>
+              <a:t>flask</a:t>
+            </a:r>
+            <a:r>
               <a:rPr lang="en-US" sz="2000" dirty="0" smtClean="0"/>
-              <a:t>flask, </a:t>
+              <a:t>, </a:t>
             </a:r>
             <a:r>
               <a:rPr lang="ru-RU" sz="2000" dirty="0"/>
@@ -6097,21 +6107,61 @@
             </a:r>
             <a:r>
               <a:rPr lang="ru-RU" sz="2000" dirty="0" smtClean="0"/>
-              <a:t>Яндекс.Карт ведётся в функциях </a:t>
+              <a:t>Яндекс.Карт ведётся в функциях</a:t>
             </a:r>
             <a:r>
               <a:rPr lang="en-US" sz="2000" dirty="0" smtClean="0"/>
-              <a:t>info_from_address </a:t>
+              <a:t> </a:t>
+            </a:r>
+            <a:r>
+              <a:rPr lang="en-US" sz="2000" i="1" dirty="0" smtClean="0">
+                <a:solidFill>
+                  <a:srgbClr val="C00000"/>
+                </a:solidFill>
+              </a:rPr>
+              <a:t>coords_from_address</a:t>
+            </a:r>
+            <a:r>
+              <a:rPr lang="en-US" sz="2000" dirty="0" smtClean="0"/>
+              <a:t>, </a:t>
+            </a:r>
+            <a:r>
+              <a:rPr lang="en-US" sz="2000" i="1" dirty="0" smtClean="0">
+                <a:solidFill>
+                  <a:srgbClr val="C00000"/>
+                </a:solidFill>
+              </a:rPr>
+              <a:t>info_from_address</a:t>
             </a:r>
             <a:r>
               <a:rPr lang="ru-RU" sz="2000" dirty="0" smtClean="0"/>
-              <a:t>и </a:t>
+              <a:t>, </a:t>
+            </a:r>
+            <a:r>
+              <a:rPr lang="en-US" sz="2000" i="1" dirty="0" smtClean="0">
+                <a:solidFill>
+                  <a:srgbClr val="C00000"/>
+                </a:solidFill>
+              </a:rPr>
+              <a:t>url_from_params</a:t>
             </a:r>
             <a:r>
               <a:rPr lang="en-US" sz="2000" dirty="0" smtClean="0"/>
-              <a:t>url_from_params</a:t>
-            </a:r>
-            <a:endParaRPr lang="ru-RU" sz="2000" dirty="0" smtClean="0"/>
+              <a:t>, </a:t>
+            </a:r>
+            <a:r>
+              <a:rPr lang="en-US" sz="2000" i="1" dirty="0" smtClean="0">
+                <a:solidFill>
+                  <a:srgbClr val="C00000"/>
+                </a:solidFill>
+              </a:rPr>
+              <a:t>organizations_from_coords</a:t>
+            </a:r>
+            <a:endParaRPr lang="ru-RU" sz="2000" i="1" dirty="0" smtClean="0">
+              <a:solidFill>
+                <a:srgbClr val="C00000"/>
+              </a:solidFill>
+            </a:endParaRPr>
           </a:p>
           <a:p>
             <a:r>
@@ -6127,10 +6177,18 @@
               <a:t>Википедии ведётся в функции </a:t>
             </a:r>
             <a:r>
-              <a:rPr lang="en-US" sz="2000" dirty="0" smtClean="0"/>
+              <a:rPr lang="en-US" sz="2000" i="1" dirty="0" smtClean="0">
+                <a:solidFill>
+                  <a:srgbClr val="C00000"/>
+                </a:solidFill>
+              </a:rPr>
               <a:t>search_wiki</a:t>
             </a:r>
-            <a:endParaRPr lang="ru-RU" sz="2000" dirty="0"/>
+            <a:endParaRPr lang="ru-RU" sz="2000" i="1" dirty="0">
+              <a:solidFill>
+                <a:srgbClr val="C00000"/>
+              </a:solidFill>
+            </a:endParaRPr>
           </a:p>
         </p:txBody>
       </p:sp>
@@ -6194,25 +6252,110 @@
           </a:p>
         </p:txBody>
       </p:sp>
-      <p:sp>
-        <p:nvSpPr>
-          <p:cNvPr id="3" name="Объект 2"/>
-          <p:cNvSpPr>
-            <a:spLocks noGrp="1"/>
-          </p:cNvSpPr>
+      <p:pic>
+        <p:nvPicPr>
+          <p:cNvPr id="4" name="Объект 3"/>
+          <p:cNvPicPr>
+            <a:picLocks noGrp="1" noChangeAspect="1"/>
+          </p:cNvPicPr>
           <p:nvPr>
             <p:ph idx="1"/>
           </p:nvPr>
-        </p:nvSpPr>
-        <p:spPr/>
-        <p:txBody>
-          <a:bodyPr/>
-          <a:lstStyle/>
-          <a:p>
-            <a:endParaRPr lang="ru-RU"/>
-          </a:p>
-        </p:txBody>
-      </p:sp>
+        </p:nvPicPr>
+        <p:blipFill>
+          <a:blip r:embed="rId2" cstate="print">
+            <a:extLst>
+              <a:ext uri="{28A0092B-C50C-407E-A947-70E740481C1C}">
+                <a14:useLocalDpi xmlns:a14="http://schemas.microsoft.com/office/drawing/2010/main" val="0"/>
+              </a:ext>
+            </a:extLst>
+          </a:blip>
+          <a:stretch>
+            <a:fillRect/>
+          </a:stretch>
+        </p:blipFill>
+        <p:spPr>
+          <a:xfrm>
+            <a:off x="6771189" y="170703"/>
+            <a:ext cx="4120588" cy="3130998"/>
+          </a:xfrm>
+          <a:ln w="38100">
+            <a:solidFill>
+              <a:schemeClr val="accent1"/>
+            </a:solidFill>
+          </a:ln>
+        </p:spPr>
+      </p:pic>
+      <p:pic>
+        <p:nvPicPr>
+          <p:cNvPr id="5" name="Рисунок 4"/>
+          <p:cNvPicPr>
+            <a:picLocks noChangeAspect="1"/>
+          </p:cNvPicPr>
+          <p:nvPr/>
+        </p:nvPicPr>
+        <p:blipFill>
+          <a:blip r:embed="rId3">
+            <a:extLst>
+              <a:ext uri="{28A0092B-C50C-407E-A947-70E740481C1C}">
+                <a14:useLocalDpi xmlns:a14="http://schemas.microsoft.com/office/drawing/2010/main" val="0"/>
+              </a:ext>
+            </a:extLst>
+          </a:blip>
+          <a:stretch>
+            <a:fillRect/>
+          </a:stretch>
+        </p:blipFill>
+        <p:spPr>
+          <a:xfrm>
+            <a:off x="428263" y="1648441"/>
+            <a:ext cx="5836539" cy="4434850"/>
+          </a:xfrm>
+          <a:prstGeom prst="rect">
+            <a:avLst/>
+          </a:prstGeom>
+          <a:ln w="38100">
+            <a:solidFill>
+              <a:schemeClr val="accent1"/>
+            </a:solidFill>
+          </a:ln>
+        </p:spPr>
+      </p:pic>
+      <p:pic>
+        <p:nvPicPr>
+          <p:cNvPr id="6" name="Рисунок 5"/>
+          <p:cNvPicPr>
+            <a:picLocks noChangeAspect="1"/>
+          </p:cNvPicPr>
+          <p:nvPr/>
+        </p:nvPicPr>
+        <p:blipFill>
+          <a:blip r:embed="rId4" cstate="print">
+            <a:extLst>
+              <a:ext uri="{28A0092B-C50C-407E-A947-70E740481C1C}">
+                <a14:useLocalDpi xmlns:a14="http://schemas.microsoft.com/office/drawing/2010/main" val="0"/>
+              </a:ext>
+            </a:extLst>
+          </a:blip>
+          <a:stretch>
+            <a:fillRect/>
+          </a:stretch>
+        </p:blipFill>
+        <p:spPr>
+          <a:xfrm>
+            <a:off x="6771189" y="3530232"/>
+            <a:ext cx="4120588" cy="3130998"/>
+          </a:xfrm>
+          <a:prstGeom prst="rect">
+            <a:avLst/>
+          </a:prstGeom>
+          <a:ln w="38100">
+            <a:solidFill>
+              <a:schemeClr val="accent1"/>
+            </a:solidFill>
+          </a:ln>
+        </p:spPr>
+      </p:pic>
     </p:spTree>
     <p:extLst>
       <p:ext uri="{BB962C8B-B14F-4D97-AF65-F5344CB8AC3E}">
@@ -6292,7 +6435,19 @@
           <a:p>
             <a:r>
               <a:rPr lang="ru-RU" sz="2000" dirty="0" smtClean="0"/>
-              <a:t>Сделать возможность поиска по организациям</a:t>
+              <a:t>Улучшение внешнего вида</a:t>
+            </a:r>
+          </a:p>
+          <a:p>
+            <a:r>
+              <a:rPr lang="ru-RU" sz="2000" dirty="0" smtClean="0"/>
+              <a:t>Разработка более тонкой настройки параметров поиска</a:t>
+            </a:r>
+          </a:p>
+          <a:p>
+            <a:r>
+              <a:rPr lang="ru-RU" sz="2000" dirty="0" smtClean="0"/>
+              <a:t>Добавление возможности масштабировать карту</a:t>
             </a:r>
           </a:p>
         </p:txBody>
@@ -6357,10 +6512,10 @@
           <a:lstStyle/>
           <a:p>
             <a:r>
-              <a:rPr lang="ru-RU" sz="4800" dirty="0" smtClean="0"/>
+              <a:rPr lang="ru-RU" sz="5400" dirty="0" smtClean="0"/>
               <a:t>Спасибо за внимание!</a:t>
             </a:r>
-            <a:endParaRPr lang="ru-RU" sz="4800" dirty="0"/>
+            <a:endParaRPr lang="ru-RU" sz="5400" dirty="0"/>
           </a:p>
         </p:txBody>
       </p:sp>
